--- a/Антенны Усков/Микрополосковые линии.pptx
+++ b/Антенны Усков/Микрополосковые линии.pptx
@@ -8,6 +8,7 @@
     <p:sldId id="256" r:id="rId2"/>
     <p:sldId id="257" r:id="rId3"/>
     <p:sldId id="258" r:id="rId4"/>
+    <p:sldId id="259" r:id="rId5"/>
   </p:sldIdLst>
   <p:sldSz cx="12192000" cy="6858000"/>
   <p:notesSz cx="6858000" cy="9144000"/>
@@ -272,7 +273,7 @@
           <a:p>
             <a:fld id="{CBAED744-93B3-4241-AC21-DE1468656AC1}" type="datetimeFigureOut">
               <a:rPr lang="ru-RU" smtClean="0"/>
-              <a:t>27.09.2023</a:t>
+              <a:t>30.09.2023</a:t>
             </a:fld>
             <a:endParaRPr lang="ru-RU"/>
           </a:p>
@@ -470,7 +471,7 @@
           <a:p>
             <a:fld id="{CBAED744-93B3-4241-AC21-DE1468656AC1}" type="datetimeFigureOut">
               <a:rPr lang="ru-RU" smtClean="0"/>
-              <a:t>27.09.2023</a:t>
+              <a:t>30.09.2023</a:t>
             </a:fld>
             <a:endParaRPr lang="ru-RU"/>
           </a:p>
@@ -678,7 +679,7 @@
           <a:p>
             <a:fld id="{CBAED744-93B3-4241-AC21-DE1468656AC1}" type="datetimeFigureOut">
               <a:rPr lang="ru-RU" smtClean="0"/>
-              <a:t>27.09.2023</a:t>
+              <a:t>30.09.2023</a:t>
             </a:fld>
             <a:endParaRPr lang="ru-RU"/>
           </a:p>
@@ -876,7 +877,7 @@
           <a:p>
             <a:fld id="{CBAED744-93B3-4241-AC21-DE1468656AC1}" type="datetimeFigureOut">
               <a:rPr lang="ru-RU" smtClean="0"/>
-              <a:t>27.09.2023</a:t>
+              <a:t>30.09.2023</a:t>
             </a:fld>
             <a:endParaRPr lang="ru-RU"/>
           </a:p>
@@ -1151,7 +1152,7 @@
           <a:p>
             <a:fld id="{CBAED744-93B3-4241-AC21-DE1468656AC1}" type="datetimeFigureOut">
               <a:rPr lang="ru-RU" smtClean="0"/>
-              <a:t>27.09.2023</a:t>
+              <a:t>30.09.2023</a:t>
             </a:fld>
             <a:endParaRPr lang="ru-RU"/>
           </a:p>
@@ -1416,7 +1417,7 @@
           <a:p>
             <a:fld id="{CBAED744-93B3-4241-AC21-DE1468656AC1}" type="datetimeFigureOut">
               <a:rPr lang="ru-RU" smtClean="0"/>
-              <a:t>27.09.2023</a:t>
+              <a:t>30.09.2023</a:t>
             </a:fld>
             <a:endParaRPr lang="ru-RU"/>
           </a:p>
@@ -1828,7 +1829,7 @@
           <a:p>
             <a:fld id="{CBAED744-93B3-4241-AC21-DE1468656AC1}" type="datetimeFigureOut">
               <a:rPr lang="ru-RU" smtClean="0"/>
-              <a:t>27.09.2023</a:t>
+              <a:t>30.09.2023</a:t>
             </a:fld>
             <a:endParaRPr lang="ru-RU"/>
           </a:p>
@@ -1969,7 +1970,7 @@
           <a:p>
             <a:fld id="{CBAED744-93B3-4241-AC21-DE1468656AC1}" type="datetimeFigureOut">
               <a:rPr lang="ru-RU" smtClean="0"/>
-              <a:t>27.09.2023</a:t>
+              <a:t>30.09.2023</a:t>
             </a:fld>
             <a:endParaRPr lang="ru-RU"/>
           </a:p>
@@ -2082,7 +2083,7 @@
           <a:p>
             <a:fld id="{CBAED744-93B3-4241-AC21-DE1468656AC1}" type="datetimeFigureOut">
               <a:rPr lang="ru-RU" smtClean="0"/>
-              <a:t>27.09.2023</a:t>
+              <a:t>30.09.2023</a:t>
             </a:fld>
             <a:endParaRPr lang="ru-RU"/>
           </a:p>
@@ -2393,7 +2394,7 @@
           <a:p>
             <a:fld id="{CBAED744-93B3-4241-AC21-DE1468656AC1}" type="datetimeFigureOut">
               <a:rPr lang="ru-RU" smtClean="0"/>
-              <a:t>27.09.2023</a:t>
+              <a:t>30.09.2023</a:t>
             </a:fld>
             <a:endParaRPr lang="ru-RU"/>
           </a:p>
@@ -2681,7 +2682,7 @@
           <a:p>
             <a:fld id="{CBAED744-93B3-4241-AC21-DE1468656AC1}" type="datetimeFigureOut">
               <a:rPr lang="ru-RU" smtClean="0"/>
-              <a:t>27.09.2023</a:t>
+              <a:t>30.09.2023</a:t>
             </a:fld>
             <a:endParaRPr lang="ru-RU"/>
           </a:p>
@@ -2922,7 +2923,7 @@
           <a:p>
             <a:fld id="{CBAED744-93B3-4241-AC21-DE1468656AC1}" type="datetimeFigureOut">
               <a:rPr lang="ru-RU" smtClean="0"/>
-              <a:t>27.09.2023</a:t>
+              <a:t>30.09.2023</a:t>
             </a:fld>
             <a:endParaRPr lang="ru-RU"/>
           </a:p>
@@ -3595,44 +3596,528 @@
             <p:ph type="title"/>
           </p:nvPr>
         </p:nvSpPr>
-        <p:spPr/>
-        <p:txBody>
-          <a:bodyPr/>
-          <a:lstStyle/>
-          <a:p>
-            <a:endParaRPr lang="ru-RU"/>
-          </a:p>
-        </p:txBody>
-      </p:sp>
-      <p:sp>
-        <p:nvSpPr>
-          <p:cNvPr id="3" name="Объект 2">
-            <a:extLst>
-              <a:ext uri="{FF2B5EF4-FFF2-40B4-BE49-F238E27FC236}">
-                <a16:creationId xmlns:a16="http://schemas.microsoft.com/office/drawing/2014/main" id="{9EE20942-6262-49BD-AB96-B40EA7D6E26B}"/>
-              </a:ext>
-            </a:extLst>
-          </p:cNvPr>
-          <p:cNvSpPr>
-            <a:spLocks noGrp="1"/>
-          </p:cNvSpPr>
+        <p:spPr>
+          <a:xfrm>
+            <a:off x="838200" y="233149"/>
+            <a:ext cx="10515600" cy="1325563"/>
+          </a:xfrm>
+        </p:spPr>
+        <p:txBody>
+          <a:bodyPr/>
+          <a:lstStyle/>
+          <a:p>
+            <a:pPr algn="ctr"/>
+            <a:r>
+              <a:rPr lang="ru-RU" dirty="0"/>
+              <a:t>Расчет параметров </a:t>
+            </a:r>
+            <a:r>
+              <a:rPr lang="ru-RU" dirty="0" err="1"/>
+              <a:t>микрополосковой</a:t>
+            </a:r>
+            <a:r>
+              <a:rPr lang="ru-RU" dirty="0"/>
+              <a:t> линии</a:t>
+            </a:r>
+          </a:p>
+        </p:txBody>
+      </p:sp>
+      <p:pic>
+        <p:nvPicPr>
+          <p:cNvPr id="5" name="Объект 4">
+            <a:extLst>
+              <a:ext uri="{FF2B5EF4-FFF2-40B4-BE49-F238E27FC236}">
+                <a16:creationId xmlns:a16="http://schemas.microsoft.com/office/drawing/2014/main" id="{5BFF920A-9500-476B-92D5-04306491D38B}"/>
+              </a:ext>
+            </a:extLst>
+          </p:cNvPr>
+          <p:cNvPicPr>
+            <a:picLocks noGrp="1" noChangeAspect="1"/>
+          </p:cNvPicPr>
           <p:nvPr>
             <p:ph idx="1"/>
           </p:nvPr>
-        </p:nvSpPr>
-        <p:spPr/>
-        <p:txBody>
-          <a:bodyPr/>
-          <a:lstStyle/>
-          <a:p>
-            <a:endParaRPr lang="ru-RU"/>
-          </a:p>
-        </p:txBody>
-      </p:sp>
+        </p:nvPicPr>
+        <p:blipFill>
+          <a:blip r:embed="rId2"/>
+          <a:stretch>
+            <a:fillRect/>
+          </a:stretch>
+        </p:blipFill>
+        <p:spPr>
+          <a:xfrm>
+            <a:off x="1688240" y="1690688"/>
+            <a:ext cx="8664691" cy="845893"/>
+          </a:xfrm>
+        </p:spPr>
+      </p:pic>
+      <p:pic>
+        <p:nvPicPr>
+          <p:cNvPr id="7" name="Рисунок 6">
+            <a:extLst>
+              <a:ext uri="{FF2B5EF4-FFF2-40B4-BE49-F238E27FC236}">
+                <a16:creationId xmlns:a16="http://schemas.microsoft.com/office/drawing/2014/main" id="{48D69D99-5F7D-4861-91D5-1E9202A98962}"/>
+              </a:ext>
+            </a:extLst>
+          </p:cNvPr>
+          <p:cNvPicPr>
+            <a:picLocks noChangeAspect="1"/>
+          </p:cNvPicPr>
+          <p:nvPr/>
+        </p:nvPicPr>
+        <p:blipFill>
+          <a:blip r:embed="rId3"/>
+          <a:stretch>
+            <a:fillRect/>
+          </a:stretch>
+        </p:blipFill>
+        <p:spPr>
+          <a:xfrm>
+            <a:off x="3600233" y="2615963"/>
+            <a:ext cx="4991533" cy="1173582"/>
+          </a:xfrm>
+          <a:prstGeom prst="rect">
+            <a:avLst/>
+          </a:prstGeom>
+        </p:spPr>
+      </p:pic>
+      <p:pic>
+        <p:nvPicPr>
+          <p:cNvPr id="9" name="Рисунок 8">
+            <a:extLst>
+              <a:ext uri="{FF2B5EF4-FFF2-40B4-BE49-F238E27FC236}">
+                <a16:creationId xmlns:a16="http://schemas.microsoft.com/office/drawing/2014/main" id="{9D29774C-93CE-46D2-BDC7-A75DB575A832}"/>
+              </a:ext>
+            </a:extLst>
+          </p:cNvPr>
+          <p:cNvPicPr>
+            <a:picLocks noChangeAspect="1"/>
+          </p:cNvPicPr>
+          <p:nvPr/>
+        </p:nvPicPr>
+        <p:blipFill>
+          <a:blip r:embed="rId4"/>
+          <a:stretch>
+            <a:fillRect/>
+          </a:stretch>
+        </p:blipFill>
+        <p:spPr>
+          <a:xfrm>
+            <a:off x="2770373" y="4032806"/>
+            <a:ext cx="6500423" cy="1356478"/>
+          </a:xfrm>
+          <a:prstGeom prst="rect">
+            <a:avLst/>
+          </a:prstGeom>
+        </p:spPr>
+      </p:pic>
+      <p:pic>
+        <p:nvPicPr>
+          <p:cNvPr id="11" name="Рисунок 10">
+            <a:extLst>
+              <a:ext uri="{FF2B5EF4-FFF2-40B4-BE49-F238E27FC236}">
+                <a16:creationId xmlns:a16="http://schemas.microsoft.com/office/drawing/2014/main" id="{69E89FA4-EE64-4F53-9B75-FD2AF1F37F93}"/>
+              </a:ext>
+            </a:extLst>
+          </p:cNvPr>
+          <p:cNvPicPr>
+            <a:picLocks noChangeAspect="1"/>
+          </p:cNvPicPr>
+          <p:nvPr/>
+        </p:nvPicPr>
+        <p:blipFill>
+          <a:blip r:embed="rId5"/>
+          <a:stretch>
+            <a:fillRect/>
+          </a:stretch>
+        </p:blipFill>
+        <p:spPr>
+          <a:xfrm flipV="1">
+            <a:off x="5403714" y="3247534"/>
+            <a:ext cx="1384572" cy="362932"/>
+          </a:xfrm>
+          <a:prstGeom prst="rect">
+            <a:avLst/>
+          </a:prstGeom>
+        </p:spPr>
+      </p:pic>
+      <p:pic>
+        <p:nvPicPr>
+          <p:cNvPr id="13" name="Рисунок 12">
+            <a:extLst>
+              <a:ext uri="{FF2B5EF4-FFF2-40B4-BE49-F238E27FC236}">
+                <a16:creationId xmlns:a16="http://schemas.microsoft.com/office/drawing/2014/main" id="{E506A7A8-B446-4F97-8F26-9D74286459BC}"/>
+              </a:ext>
+            </a:extLst>
+          </p:cNvPr>
+          <p:cNvPicPr>
+            <a:picLocks noChangeAspect="1"/>
+          </p:cNvPicPr>
+          <p:nvPr/>
+        </p:nvPicPr>
+        <p:blipFill>
+          <a:blip r:embed="rId5"/>
+          <a:stretch>
+            <a:fillRect/>
+          </a:stretch>
+        </p:blipFill>
+        <p:spPr>
+          <a:xfrm>
+            <a:off x="1158668" y="5530595"/>
+            <a:ext cx="2545282" cy="667184"/>
+          </a:xfrm>
+          <a:prstGeom prst="rect">
+            <a:avLst/>
+          </a:prstGeom>
+        </p:spPr>
+      </p:pic>
+      <p:pic>
+        <p:nvPicPr>
+          <p:cNvPr id="15" name="Рисунок 14">
+            <a:extLst>
+              <a:ext uri="{FF2B5EF4-FFF2-40B4-BE49-F238E27FC236}">
+                <a16:creationId xmlns:a16="http://schemas.microsoft.com/office/drawing/2014/main" id="{0625D9AE-F2C3-4F0E-91F6-279529218B67}"/>
+              </a:ext>
+            </a:extLst>
+          </p:cNvPr>
+          <p:cNvPicPr>
+            <a:picLocks noChangeAspect="1"/>
+          </p:cNvPicPr>
+          <p:nvPr/>
+        </p:nvPicPr>
+        <p:blipFill>
+          <a:blip r:embed="rId6"/>
+          <a:stretch>
+            <a:fillRect/>
+          </a:stretch>
+        </p:blipFill>
+        <p:spPr>
+          <a:xfrm>
+            <a:off x="10561430" y="5654932"/>
+            <a:ext cx="1080404" cy="598602"/>
+          </a:xfrm>
+          <a:prstGeom prst="rect">
+            <a:avLst/>
+          </a:prstGeom>
+        </p:spPr>
+      </p:pic>
+      <p:pic>
+        <p:nvPicPr>
+          <p:cNvPr id="17" name="Рисунок 16">
+            <a:extLst>
+              <a:ext uri="{FF2B5EF4-FFF2-40B4-BE49-F238E27FC236}">
+                <a16:creationId xmlns:a16="http://schemas.microsoft.com/office/drawing/2014/main" id="{046965AB-5EDF-43F1-BC4E-C65F2EB0F3A6}"/>
+              </a:ext>
+            </a:extLst>
+          </p:cNvPr>
+          <p:cNvPicPr>
+            <a:picLocks noChangeAspect="1"/>
+          </p:cNvPicPr>
+          <p:nvPr/>
+        </p:nvPicPr>
+        <p:blipFill>
+          <a:blip r:embed="rId7"/>
+          <a:stretch>
+            <a:fillRect/>
+          </a:stretch>
+        </p:blipFill>
+        <p:spPr>
+          <a:xfrm>
+            <a:off x="4063199" y="5628515"/>
+            <a:ext cx="1600339" cy="556308"/>
+          </a:xfrm>
+          <a:prstGeom prst="rect">
+            <a:avLst/>
+          </a:prstGeom>
+        </p:spPr>
+      </p:pic>
+      <p:pic>
+        <p:nvPicPr>
+          <p:cNvPr id="19" name="Рисунок 18">
+            <a:extLst>
+              <a:ext uri="{FF2B5EF4-FFF2-40B4-BE49-F238E27FC236}">
+                <a16:creationId xmlns:a16="http://schemas.microsoft.com/office/drawing/2014/main" id="{1FB39804-8D7B-44D4-83EB-A844BA31FDDD}"/>
+              </a:ext>
+            </a:extLst>
+          </p:cNvPr>
+          <p:cNvPicPr>
+            <a:picLocks noChangeAspect="1"/>
+          </p:cNvPicPr>
+          <p:nvPr/>
+        </p:nvPicPr>
+        <p:blipFill>
+          <a:blip r:embed="rId8"/>
+          <a:stretch>
+            <a:fillRect/>
+          </a:stretch>
+        </p:blipFill>
+        <p:spPr>
+          <a:xfrm>
+            <a:off x="5843163" y="5628515"/>
+            <a:ext cx="4359018" cy="670618"/>
+          </a:xfrm>
+          <a:prstGeom prst="rect">
+            <a:avLst/>
+          </a:prstGeom>
+        </p:spPr>
+      </p:pic>
     </p:spTree>
     <p:extLst>
       <p:ext uri="{BB962C8B-B14F-4D97-AF65-F5344CB8AC3E}">
         <p14:creationId xmlns:p14="http://schemas.microsoft.com/office/powerpoint/2010/main" val="1898636534"/>
+      </p:ext>
+    </p:extLst>
+  </p:cSld>
+  <p:clrMapOvr>
+    <a:masterClrMapping/>
+  </p:clrMapOvr>
+</p:sld>
+</file>
+
+<file path=ppt/slides/slide4.xml><?xml version="1.0" encoding="utf-8"?>
+<p:sld xmlns:a="http://schemas.openxmlformats.org/drawingml/2006/main" xmlns:r="http://schemas.openxmlformats.org/officeDocument/2006/relationships" xmlns:p="http://schemas.openxmlformats.org/presentationml/2006/main">
+  <p:cSld>
+    <p:spTree>
+      <p:nvGrpSpPr>
+        <p:cNvPr id="1" name=""/>
+        <p:cNvGrpSpPr/>
+        <p:nvPr/>
+      </p:nvGrpSpPr>
+      <p:grpSpPr>
+        <a:xfrm>
+          <a:off x="0" y="0"/>
+          <a:ext cx="0" cy="0"/>
+          <a:chOff x="0" y="0"/>
+          <a:chExt cx="0" cy="0"/>
+        </a:xfrm>
+      </p:grpSpPr>
+      <p:sp>
+        <p:nvSpPr>
+          <p:cNvPr id="2" name="Заголовок 1">
+            <a:extLst>
+              <a:ext uri="{FF2B5EF4-FFF2-40B4-BE49-F238E27FC236}">
+                <a16:creationId xmlns:a16="http://schemas.microsoft.com/office/drawing/2014/main" id="{D1858028-794A-426F-9CD7-517E211C60A9}"/>
+              </a:ext>
+            </a:extLst>
+          </p:cNvPr>
+          <p:cNvSpPr>
+            <a:spLocks noGrp="1"/>
+          </p:cNvSpPr>
+          <p:nvPr>
+            <p:ph type="title"/>
+          </p:nvPr>
+        </p:nvSpPr>
+        <p:spPr>
+          <a:xfrm>
+            <a:off x="838200" y="-191060"/>
+            <a:ext cx="10515600" cy="1325563"/>
+          </a:xfrm>
+        </p:spPr>
+        <p:txBody>
+          <a:bodyPr/>
+          <a:lstStyle/>
+          <a:p>
+            <a:r>
+              <a:rPr lang="ru-RU" dirty="0"/>
+              <a:t>Моделирование линии</a:t>
+            </a:r>
+          </a:p>
+        </p:txBody>
+      </p:sp>
+      <p:pic>
+        <p:nvPicPr>
+          <p:cNvPr id="1026" name="Picture 2">
+            <a:extLst>
+              <a:ext uri="{FF2B5EF4-FFF2-40B4-BE49-F238E27FC236}">
+                <a16:creationId xmlns:a16="http://schemas.microsoft.com/office/drawing/2014/main" id="{0130E3D6-277F-4FEE-BA6E-8C937DB0392B}"/>
+              </a:ext>
+            </a:extLst>
+          </p:cNvPr>
+          <p:cNvPicPr>
+            <a:picLocks noGrp="1" noChangeAspect="1" noChangeArrowheads="1"/>
+          </p:cNvPicPr>
+          <p:nvPr>
+            <p:ph idx="1"/>
+          </p:nvPr>
+        </p:nvPicPr>
+        <p:blipFill>
+          <a:blip r:embed="rId2">
+            <a:extLst>
+              <a:ext uri="{28A0092B-C50C-407E-A947-70E740481C1C}">
+                <a14:useLocalDpi xmlns:a14="http://schemas.microsoft.com/office/drawing/2010/main" val="0"/>
+              </a:ext>
+            </a:extLst>
+          </a:blip>
+          <a:srcRect/>
+          <a:stretch>
+            <a:fillRect/>
+          </a:stretch>
+        </p:blipFill>
+        <p:spPr bwMode="auto">
+          <a:xfrm>
+            <a:off x="6416415" y="729258"/>
+            <a:ext cx="4543298" cy="2544246"/>
+          </a:xfrm>
+          <a:prstGeom prst="rect">
+            <a:avLst/>
+          </a:prstGeom>
+          <a:noFill/>
+          <a:extLst>
+            <a:ext uri="{909E8E84-426E-40DD-AFC4-6F175D3DCCD1}">
+              <a14:hiddenFill xmlns:a14="http://schemas.microsoft.com/office/drawing/2010/main">
+                <a:solidFill>
+                  <a:srgbClr val="FFFFFF"/>
+                </a:solidFill>
+              </a14:hiddenFill>
+            </a:ext>
+          </a:extLst>
+        </p:spPr>
+      </p:pic>
+      <p:pic>
+        <p:nvPicPr>
+          <p:cNvPr id="1028" name="Picture 4">
+            <a:extLst>
+              <a:ext uri="{FF2B5EF4-FFF2-40B4-BE49-F238E27FC236}">
+                <a16:creationId xmlns:a16="http://schemas.microsoft.com/office/drawing/2014/main" id="{1AC50CB5-0EF1-4F97-9337-AF2609DB686C}"/>
+              </a:ext>
+            </a:extLst>
+          </p:cNvPr>
+          <p:cNvPicPr>
+            <a:picLocks noChangeAspect="1" noChangeArrowheads="1"/>
+          </p:cNvPicPr>
+          <p:nvPr/>
+        </p:nvPicPr>
+        <p:blipFill>
+          <a:blip r:embed="rId3">
+            <a:extLst>
+              <a:ext uri="{28A0092B-C50C-407E-A947-70E740481C1C}">
+                <a14:useLocalDpi xmlns:a14="http://schemas.microsoft.com/office/drawing/2010/main" val="0"/>
+              </a:ext>
+            </a:extLst>
+          </a:blip>
+          <a:srcRect/>
+          <a:stretch>
+            <a:fillRect/>
+          </a:stretch>
+        </p:blipFill>
+        <p:spPr bwMode="auto">
+          <a:xfrm>
+            <a:off x="1232287" y="729258"/>
+            <a:ext cx="4391854" cy="2544246"/>
+          </a:xfrm>
+          <a:prstGeom prst="rect">
+            <a:avLst/>
+          </a:prstGeom>
+          <a:noFill/>
+          <a:extLst>
+            <a:ext uri="{909E8E84-426E-40DD-AFC4-6F175D3DCCD1}">
+              <a14:hiddenFill xmlns:a14="http://schemas.microsoft.com/office/drawing/2010/main">
+                <a:solidFill>
+                  <a:srgbClr val="FFFFFF"/>
+                </a:solidFill>
+              </a14:hiddenFill>
+            </a:ext>
+          </a:extLst>
+        </p:spPr>
+      </p:pic>
+      <p:pic>
+        <p:nvPicPr>
+          <p:cNvPr id="1030" name="Picture 6">
+            <a:extLst>
+              <a:ext uri="{FF2B5EF4-FFF2-40B4-BE49-F238E27FC236}">
+                <a16:creationId xmlns:a16="http://schemas.microsoft.com/office/drawing/2014/main" id="{063615DB-8C63-48B7-832D-031DD7A622AC}"/>
+              </a:ext>
+            </a:extLst>
+          </p:cNvPr>
+          <p:cNvPicPr>
+            <a:picLocks noChangeAspect="1" noChangeArrowheads="1"/>
+          </p:cNvPicPr>
+          <p:nvPr/>
+        </p:nvPicPr>
+        <p:blipFill>
+          <a:blip r:embed="rId4">
+            <a:extLst>
+              <a:ext uri="{28A0092B-C50C-407E-A947-70E740481C1C}">
+                <a14:useLocalDpi xmlns:a14="http://schemas.microsoft.com/office/drawing/2010/main" val="0"/>
+              </a:ext>
+            </a:extLst>
+          </a:blip>
+          <a:srcRect/>
+          <a:stretch>
+            <a:fillRect/>
+          </a:stretch>
+        </p:blipFill>
+        <p:spPr bwMode="auto">
+          <a:xfrm>
+            <a:off x="685533" y="3429000"/>
+            <a:ext cx="5297157" cy="3310723"/>
+          </a:xfrm>
+          <a:prstGeom prst="rect">
+            <a:avLst/>
+          </a:prstGeom>
+          <a:noFill/>
+          <a:extLst>
+            <a:ext uri="{909E8E84-426E-40DD-AFC4-6F175D3DCCD1}">
+              <a14:hiddenFill xmlns:a14="http://schemas.microsoft.com/office/drawing/2010/main">
+                <a:solidFill>
+                  <a:srgbClr val="FFFFFF"/>
+                </a:solidFill>
+              </a14:hiddenFill>
+            </a:ext>
+          </a:extLst>
+        </p:spPr>
+      </p:pic>
+      <p:pic>
+        <p:nvPicPr>
+          <p:cNvPr id="1032" name="Picture 8">
+            <a:extLst>
+              <a:ext uri="{FF2B5EF4-FFF2-40B4-BE49-F238E27FC236}">
+                <a16:creationId xmlns:a16="http://schemas.microsoft.com/office/drawing/2014/main" id="{C1870C40-6105-439C-9A6B-7039FF39A21A}"/>
+              </a:ext>
+            </a:extLst>
+          </p:cNvPr>
+          <p:cNvPicPr>
+            <a:picLocks noChangeAspect="1" noChangeArrowheads="1"/>
+          </p:cNvPicPr>
+          <p:nvPr/>
+        </p:nvPicPr>
+        <p:blipFill>
+          <a:blip r:embed="rId5">
+            <a:extLst>
+              <a:ext uri="{28A0092B-C50C-407E-A947-70E740481C1C}">
+                <a14:useLocalDpi xmlns:a14="http://schemas.microsoft.com/office/drawing/2010/main" val="0"/>
+              </a:ext>
+            </a:extLst>
+          </a:blip>
+          <a:srcRect/>
+          <a:stretch>
+            <a:fillRect/>
+          </a:stretch>
+        </p:blipFill>
+        <p:spPr bwMode="auto">
+          <a:xfrm>
+            <a:off x="6274458" y="3429000"/>
+            <a:ext cx="5232009" cy="3273503"/>
+          </a:xfrm>
+          <a:prstGeom prst="rect">
+            <a:avLst/>
+          </a:prstGeom>
+          <a:noFill/>
+          <a:extLst>
+            <a:ext uri="{909E8E84-426E-40DD-AFC4-6F175D3DCCD1}">
+              <a14:hiddenFill xmlns:a14="http://schemas.microsoft.com/office/drawing/2010/main">
+                <a:solidFill>
+                  <a:srgbClr val="FFFFFF"/>
+                </a:solidFill>
+              </a14:hiddenFill>
+            </a:ext>
+          </a:extLst>
+        </p:spPr>
+      </p:pic>
+    </p:spTree>
+    <p:extLst>
+      <p:ext uri="{BB962C8B-B14F-4D97-AF65-F5344CB8AC3E}">
+        <p14:creationId xmlns:p14="http://schemas.microsoft.com/office/powerpoint/2010/main" val="1110591304"/>
       </p:ext>
     </p:extLst>
   </p:cSld>
